--- a/Presentation/Presentation Template - Task 1.pptx
+++ b/Presentation/Presentation Template - Task 1.pptx
@@ -262,7 +262,7 @@
           <a:p>
             <a:fld id="{6670FE10-F406-47AF-8AE1-E9BA4C7E25F2}" type="datetimeFigureOut">
               <a:rPr lang="en-GB" smtClean="0"/>
-              <a:t>27/09/2023</a:t>
+              <a:t>08/10/2023</a:t>
             </a:fld>
             <a:endParaRPr lang="en-GB" dirty="0"/>
           </a:p>
@@ -596,7 +596,7 @@
           <a:p>
             <a:fld id="{6670FE10-F406-47AF-8AE1-E9BA4C7E25F2}" type="datetimeFigureOut">
               <a:rPr lang="en-GB" smtClean="0"/>
-              <a:t>27/09/2023</a:t>
+              <a:t>08/10/2023</a:t>
             </a:fld>
             <a:endParaRPr lang="en-GB"/>
           </a:p>
@@ -806,7 +806,7 @@
           <a:p>
             <a:fld id="{6670FE10-F406-47AF-8AE1-E9BA4C7E25F2}" type="datetimeFigureOut">
               <a:rPr lang="en-GB" smtClean="0"/>
-              <a:t>27/09/2023</a:t>
+              <a:t>08/10/2023</a:t>
             </a:fld>
             <a:endParaRPr lang="en-GB"/>
           </a:p>
@@ -1296,7 +1296,7 @@
             <a:fld id="{0CBD1D9E-D27F-4554-BE6E-550908FE1FBE}" type="datetime1">
               <a:rPr lang="en-GB" smtClean="0"/>
               <a:pPr/>
-              <a:t>27/09/2023</a:t>
+              <a:t>08/10/2023</a:t>
             </a:fld>
             <a:endParaRPr lang="en-GB"/>
           </a:p>
@@ -1533,7 +1533,7 @@
           <a:p>
             <a:fld id="{6670FE10-F406-47AF-8AE1-E9BA4C7E25F2}" type="datetimeFigureOut">
               <a:rPr lang="en-GB" smtClean="0"/>
-              <a:t>27/09/2023</a:t>
+              <a:t>08/10/2023</a:t>
             </a:fld>
             <a:endParaRPr lang="en-GB"/>
           </a:p>
@@ -1940,7 +1940,7 @@
           <a:p>
             <a:fld id="{6670FE10-F406-47AF-8AE1-E9BA4C7E25F2}" type="datetimeFigureOut">
               <a:rPr lang="en-GB" smtClean="0"/>
-              <a:t>27/09/2023</a:t>
+              <a:t>08/10/2023</a:t>
             </a:fld>
             <a:endParaRPr lang="en-GB"/>
           </a:p>
@@ -2208,7 +2208,7 @@
           <a:p>
             <a:fld id="{6670FE10-F406-47AF-8AE1-E9BA4C7E25F2}" type="datetimeFigureOut">
               <a:rPr lang="en-GB" smtClean="0"/>
-              <a:t>27/09/2023</a:t>
+              <a:t>08/10/2023</a:t>
             </a:fld>
             <a:endParaRPr lang="en-GB"/>
           </a:p>
@@ -2623,7 +2623,7 @@
           <a:p>
             <a:fld id="{6670FE10-F406-47AF-8AE1-E9BA4C7E25F2}" type="datetimeFigureOut">
               <a:rPr lang="en-GB" smtClean="0"/>
-              <a:t>27/09/2023</a:t>
+              <a:t>08/10/2023</a:t>
             </a:fld>
             <a:endParaRPr lang="en-GB"/>
           </a:p>
@@ -2765,7 +2765,7 @@
           <a:p>
             <a:fld id="{6670FE10-F406-47AF-8AE1-E9BA4C7E25F2}" type="datetimeFigureOut">
               <a:rPr lang="en-GB" smtClean="0"/>
-              <a:t>27/09/2023</a:t>
+              <a:t>08/10/2023</a:t>
             </a:fld>
             <a:endParaRPr lang="en-GB"/>
           </a:p>
@@ -2878,7 +2878,7 @@
           <a:p>
             <a:fld id="{6670FE10-F406-47AF-8AE1-E9BA4C7E25F2}" type="datetimeFigureOut">
               <a:rPr lang="en-GB" smtClean="0"/>
-              <a:t>27/09/2023</a:t>
+              <a:t>08/10/2023</a:t>
             </a:fld>
             <a:endParaRPr lang="en-GB"/>
           </a:p>
@@ -3191,7 +3191,7 @@
           <a:p>
             <a:fld id="{6670FE10-F406-47AF-8AE1-E9BA4C7E25F2}" type="datetimeFigureOut">
               <a:rPr lang="en-GB" smtClean="0"/>
-              <a:t>27/09/2023</a:t>
+              <a:t>08/10/2023</a:t>
             </a:fld>
             <a:endParaRPr lang="en-GB"/>
           </a:p>
@@ -3480,7 +3480,7 @@
           <a:p>
             <a:fld id="{6670FE10-F406-47AF-8AE1-E9BA4C7E25F2}" type="datetimeFigureOut">
               <a:rPr lang="en-GB" smtClean="0"/>
-              <a:t>27/09/2023</a:t>
+              <a:t>08/10/2023</a:t>
             </a:fld>
             <a:endParaRPr lang="en-GB"/>
           </a:p>
@@ -3723,7 +3723,7 @@
           <a:p>
             <a:fld id="{6670FE10-F406-47AF-8AE1-E9BA4C7E25F2}" type="datetimeFigureOut">
               <a:rPr lang="en-GB" smtClean="0"/>
-              <a:t>27/09/2023</a:t>
+              <a:t>08/10/2023</a:t>
             </a:fld>
             <a:endParaRPr lang="en-GB"/>
           </a:p>
